--- a/答辩/5答辩.pptx
+++ b/答辩/5答辩.pptx
@@ -6,6 +6,7 @@
   </p:sldMasterIdLst>
   <p:sldIdLst>
     <p:sldId id="256" r:id="rId2"/>
+    <p:sldId id="257" r:id="rId3"/>
   </p:sldIdLst>
   <p:sldSz cx="9144000" cy="6858000" type="screen4x3"/>
   <p:notesSz cx="6858000" cy="9144000"/>
@@ -104,6 +105,22 @@
       </a:defRPr>
     </a:lvl9pPr>
   </p:defaultTextStyle>
+  <p:extLst>
+    <p:ext uri="{EFAFB233-063F-42B5-8137-9DF3F51BA10A}">
+      <p15:sldGuideLst xmlns:p15="http://schemas.microsoft.com/office/powerpoint/2012/main">
+        <p15:guide id="1" orient="horz" pos="2160">
+          <p15:clr>
+            <a:srgbClr val="A4A3A4"/>
+          </p15:clr>
+        </p15:guide>
+        <p15:guide id="2" pos="2880">
+          <p15:clr>
+            <a:srgbClr val="A4A3A4"/>
+          </p15:clr>
+        </p15:guide>
+      </p15:sldGuideLst>
+    </p:ext>
+  </p:extLst>
 </p:presentation>
 </file>
 
@@ -145,10 +162,9 @@
           <a:lstStyle/>
           <a:p>
             <a:r>
-              <a:rPr lang="zh-CN" altLang="en-US" smtClean="0"/>
+              <a:rPr lang="zh-CN" altLang="en-US"/>
               <a:t>单击此处编辑母版标题样式</a:t>
             </a:r>
-            <a:endParaRPr lang="zh-CN" altLang="en-US"/>
           </a:p>
         </p:txBody>
       </p:sp>
@@ -264,10 +280,9 @@
           </a:lstStyle>
           <a:p>
             <a:r>
-              <a:rPr lang="zh-CN" altLang="en-US" smtClean="0"/>
+              <a:rPr lang="zh-CN" altLang="en-US"/>
               <a:t>单击此处编辑母版副标题样式</a:t>
             </a:r>
-            <a:endParaRPr lang="zh-CN" altLang="en-US"/>
           </a:p>
         </p:txBody>
       </p:sp>
@@ -288,7 +303,7 @@
           <a:p>
             <a:fld id="{530820CF-B880-4189-942D-D702A7CBA730}" type="datetimeFigureOut">
               <a:rPr lang="zh-CN" altLang="en-US" smtClean="0"/>
-              <a:t>2015/12/1</a:t>
+              <a:t>2018/12/31</a:t>
             </a:fld>
             <a:endParaRPr lang="zh-CN" altLang="en-US"/>
           </a:p>
@@ -377,10 +392,9 @@
           <a:lstStyle/>
           <a:p>
             <a:r>
-              <a:rPr lang="zh-CN" altLang="en-US" smtClean="0"/>
+              <a:rPr lang="zh-CN" altLang="en-US"/>
               <a:t>单击此处编辑母版标题样式</a:t>
             </a:r>
-            <a:endParaRPr lang="zh-CN" altLang="en-US"/>
           </a:p>
         </p:txBody>
       </p:sp>
@@ -401,38 +415,37 @@
           <a:p>
             <a:pPr lvl="0"/>
             <a:r>
-              <a:rPr lang="zh-CN" altLang="en-US" smtClean="0"/>
+              <a:rPr lang="zh-CN" altLang="en-US"/>
               <a:t>单击此处编辑母版文本样式</a:t>
             </a:r>
           </a:p>
           <a:p>
             <a:pPr lvl="1"/>
             <a:r>
-              <a:rPr lang="zh-CN" altLang="en-US" smtClean="0"/>
+              <a:rPr lang="zh-CN" altLang="en-US"/>
               <a:t>第二级</a:t>
             </a:r>
           </a:p>
           <a:p>
             <a:pPr lvl="2"/>
             <a:r>
-              <a:rPr lang="zh-CN" altLang="en-US" smtClean="0"/>
+              <a:rPr lang="zh-CN" altLang="en-US"/>
               <a:t>第三级</a:t>
             </a:r>
           </a:p>
           <a:p>
             <a:pPr lvl="3"/>
             <a:r>
-              <a:rPr lang="zh-CN" altLang="en-US" smtClean="0"/>
+              <a:rPr lang="zh-CN" altLang="en-US"/>
               <a:t>第四级</a:t>
             </a:r>
           </a:p>
           <a:p>
             <a:pPr lvl="4"/>
             <a:r>
-              <a:rPr lang="zh-CN" altLang="en-US" smtClean="0"/>
+              <a:rPr lang="zh-CN" altLang="en-US"/>
               <a:t>第五级</a:t>
             </a:r>
-            <a:endParaRPr lang="zh-CN" altLang="en-US"/>
           </a:p>
         </p:txBody>
       </p:sp>
@@ -453,7 +466,7 @@
           <a:p>
             <a:fld id="{530820CF-B880-4189-942D-D702A7CBA730}" type="datetimeFigureOut">
               <a:rPr lang="zh-CN" altLang="en-US" smtClean="0"/>
-              <a:t>2015/12/1</a:t>
+              <a:t>2018/12/31</a:t>
             </a:fld>
             <a:endParaRPr lang="zh-CN" altLang="en-US"/>
           </a:p>
@@ -547,10 +560,9 @@
           <a:lstStyle/>
           <a:p>
             <a:r>
-              <a:rPr lang="zh-CN" altLang="en-US" smtClean="0"/>
+              <a:rPr lang="zh-CN" altLang="en-US"/>
               <a:t>单击此处编辑母版标题样式</a:t>
             </a:r>
-            <a:endParaRPr lang="zh-CN" altLang="en-US"/>
           </a:p>
         </p:txBody>
       </p:sp>
@@ -576,38 +588,37 @@
           <a:p>
             <a:pPr lvl="0"/>
             <a:r>
-              <a:rPr lang="zh-CN" altLang="en-US" smtClean="0"/>
+              <a:rPr lang="zh-CN" altLang="en-US"/>
               <a:t>单击此处编辑母版文本样式</a:t>
             </a:r>
           </a:p>
           <a:p>
             <a:pPr lvl="1"/>
             <a:r>
-              <a:rPr lang="zh-CN" altLang="en-US" smtClean="0"/>
+              <a:rPr lang="zh-CN" altLang="en-US"/>
               <a:t>第二级</a:t>
             </a:r>
           </a:p>
           <a:p>
             <a:pPr lvl="2"/>
             <a:r>
-              <a:rPr lang="zh-CN" altLang="en-US" smtClean="0"/>
+              <a:rPr lang="zh-CN" altLang="en-US"/>
               <a:t>第三级</a:t>
             </a:r>
           </a:p>
           <a:p>
             <a:pPr lvl="3"/>
             <a:r>
-              <a:rPr lang="zh-CN" altLang="en-US" smtClean="0"/>
+              <a:rPr lang="zh-CN" altLang="en-US"/>
               <a:t>第四级</a:t>
             </a:r>
           </a:p>
           <a:p>
             <a:pPr lvl="4"/>
             <a:r>
-              <a:rPr lang="zh-CN" altLang="en-US" smtClean="0"/>
+              <a:rPr lang="zh-CN" altLang="en-US"/>
               <a:t>第五级</a:t>
             </a:r>
-            <a:endParaRPr lang="zh-CN" altLang="en-US"/>
           </a:p>
         </p:txBody>
       </p:sp>
@@ -628,7 +639,7 @@
           <a:p>
             <a:fld id="{530820CF-B880-4189-942D-D702A7CBA730}" type="datetimeFigureOut">
               <a:rPr lang="zh-CN" altLang="en-US" smtClean="0"/>
-              <a:t>2015/12/1</a:t>
+              <a:t>2018/12/31</a:t>
             </a:fld>
             <a:endParaRPr lang="zh-CN" altLang="en-US"/>
           </a:p>
@@ -717,10 +728,9 @@
           <a:lstStyle/>
           <a:p>
             <a:r>
-              <a:rPr lang="zh-CN" altLang="en-US" smtClean="0"/>
+              <a:rPr lang="zh-CN" altLang="en-US"/>
               <a:t>单击此处编辑母版标题样式</a:t>
             </a:r>
-            <a:endParaRPr lang="zh-CN" altLang="en-US"/>
           </a:p>
         </p:txBody>
       </p:sp>
@@ -741,38 +751,37 @@
           <a:p>
             <a:pPr lvl="0"/>
             <a:r>
-              <a:rPr lang="zh-CN" altLang="en-US" smtClean="0"/>
+              <a:rPr lang="zh-CN" altLang="en-US"/>
               <a:t>单击此处编辑母版文本样式</a:t>
             </a:r>
           </a:p>
           <a:p>
             <a:pPr lvl="1"/>
             <a:r>
-              <a:rPr lang="zh-CN" altLang="en-US" smtClean="0"/>
+              <a:rPr lang="zh-CN" altLang="en-US"/>
               <a:t>第二级</a:t>
             </a:r>
           </a:p>
           <a:p>
             <a:pPr lvl="2"/>
             <a:r>
-              <a:rPr lang="zh-CN" altLang="en-US" smtClean="0"/>
+              <a:rPr lang="zh-CN" altLang="en-US"/>
               <a:t>第三级</a:t>
             </a:r>
           </a:p>
           <a:p>
             <a:pPr lvl="3"/>
             <a:r>
-              <a:rPr lang="zh-CN" altLang="en-US" smtClean="0"/>
+              <a:rPr lang="zh-CN" altLang="en-US"/>
               <a:t>第四级</a:t>
             </a:r>
           </a:p>
           <a:p>
             <a:pPr lvl="4"/>
             <a:r>
-              <a:rPr lang="zh-CN" altLang="en-US" smtClean="0"/>
+              <a:rPr lang="zh-CN" altLang="en-US"/>
               <a:t>第五级</a:t>
             </a:r>
-            <a:endParaRPr lang="zh-CN" altLang="en-US"/>
           </a:p>
         </p:txBody>
       </p:sp>
@@ -793,7 +802,7 @@
           <a:p>
             <a:fld id="{530820CF-B880-4189-942D-D702A7CBA730}" type="datetimeFigureOut">
               <a:rPr lang="zh-CN" altLang="en-US" smtClean="0"/>
-              <a:t>2015/12/1</a:t>
+              <a:t>2018/12/31</a:t>
             </a:fld>
             <a:endParaRPr lang="zh-CN" altLang="en-US"/>
           </a:p>
@@ -891,10 +900,9 @@
           </a:lstStyle>
           <a:p>
             <a:r>
-              <a:rPr lang="zh-CN" altLang="en-US" smtClean="0"/>
+              <a:rPr lang="zh-CN" altLang="en-US"/>
               <a:t>单击此处编辑母版标题样式</a:t>
             </a:r>
-            <a:endParaRPr lang="zh-CN" altLang="en-US"/>
           </a:p>
         </p:txBody>
       </p:sp>
@@ -1011,7 +1019,7 @@
           <a:p>
             <a:pPr lvl="0"/>
             <a:r>
-              <a:rPr lang="zh-CN" altLang="en-US" smtClean="0"/>
+              <a:rPr lang="zh-CN" altLang="en-US"/>
               <a:t>单击此处编辑母版文本样式</a:t>
             </a:r>
           </a:p>
@@ -1034,7 +1042,7 @@
           <a:p>
             <a:fld id="{530820CF-B880-4189-942D-D702A7CBA730}" type="datetimeFigureOut">
               <a:rPr lang="zh-CN" altLang="en-US" smtClean="0"/>
-              <a:t>2015/12/1</a:t>
+              <a:t>2018/12/31</a:t>
             </a:fld>
             <a:endParaRPr lang="zh-CN" altLang="en-US"/>
           </a:p>
@@ -1123,10 +1131,9 @@
           <a:lstStyle/>
           <a:p>
             <a:r>
-              <a:rPr lang="zh-CN" altLang="en-US" smtClean="0"/>
+              <a:rPr lang="zh-CN" altLang="en-US"/>
               <a:t>单击此处编辑母版标题样式</a:t>
             </a:r>
-            <a:endParaRPr lang="zh-CN" altLang="en-US"/>
           </a:p>
         </p:txBody>
       </p:sp>
@@ -1180,38 +1187,37 @@
           <a:p>
             <a:pPr lvl="0"/>
             <a:r>
-              <a:rPr lang="zh-CN" altLang="en-US" smtClean="0"/>
+              <a:rPr lang="zh-CN" altLang="en-US"/>
               <a:t>单击此处编辑母版文本样式</a:t>
             </a:r>
           </a:p>
           <a:p>
             <a:pPr lvl="1"/>
             <a:r>
-              <a:rPr lang="zh-CN" altLang="en-US" smtClean="0"/>
+              <a:rPr lang="zh-CN" altLang="en-US"/>
               <a:t>第二级</a:t>
             </a:r>
           </a:p>
           <a:p>
             <a:pPr lvl="2"/>
             <a:r>
-              <a:rPr lang="zh-CN" altLang="en-US" smtClean="0"/>
+              <a:rPr lang="zh-CN" altLang="en-US"/>
               <a:t>第三级</a:t>
             </a:r>
           </a:p>
           <a:p>
             <a:pPr lvl="3"/>
             <a:r>
-              <a:rPr lang="zh-CN" altLang="en-US" smtClean="0"/>
+              <a:rPr lang="zh-CN" altLang="en-US"/>
               <a:t>第四级</a:t>
             </a:r>
           </a:p>
           <a:p>
             <a:pPr lvl="4"/>
             <a:r>
-              <a:rPr lang="zh-CN" altLang="en-US" smtClean="0"/>
+              <a:rPr lang="zh-CN" altLang="en-US"/>
               <a:t>第五级</a:t>
             </a:r>
-            <a:endParaRPr lang="zh-CN" altLang="en-US"/>
           </a:p>
         </p:txBody>
       </p:sp>
@@ -1265,38 +1271,37 @@
           <a:p>
             <a:pPr lvl="0"/>
             <a:r>
-              <a:rPr lang="zh-CN" altLang="en-US" smtClean="0"/>
+              <a:rPr lang="zh-CN" altLang="en-US"/>
               <a:t>单击此处编辑母版文本样式</a:t>
             </a:r>
           </a:p>
           <a:p>
             <a:pPr lvl="1"/>
             <a:r>
-              <a:rPr lang="zh-CN" altLang="en-US" smtClean="0"/>
+              <a:rPr lang="zh-CN" altLang="en-US"/>
               <a:t>第二级</a:t>
             </a:r>
           </a:p>
           <a:p>
             <a:pPr lvl="2"/>
             <a:r>
-              <a:rPr lang="zh-CN" altLang="en-US" smtClean="0"/>
+              <a:rPr lang="zh-CN" altLang="en-US"/>
               <a:t>第三级</a:t>
             </a:r>
           </a:p>
           <a:p>
             <a:pPr lvl="3"/>
             <a:r>
-              <a:rPr lang="zh-CN" altLang="en-US" smtClean="0"/>
+              <a:rPr lang="zh-CN" altLang="en-US"/>
               <a:t>第四级</a:t>
             </a:r>
           </a:p>
           <a:p>
             <a:pPr lvl="4"/>
             <a:r>
-              <a:rPr lang="zh-CN" altLang="en-US" smtClean="0"/>
+              <a:rPr lang="zh-CN" altLang="en-US"/>
               <a:t>第五级</a:t>
             </a:r>
-            <a:endParaRPr lang="zh-CN" altLang="en-US"/>
           </a:p>
         </p:txBody>
       </p:sp>
@@ -1317,7 +1322,7 @@
           <a:p>
             <a:fld id="{530820CF-B880-4189-942D-D702A7CBA730}" type="datetimeFigureOut">
               <a:rPr lang="zh-CN" altLang="en-US" smtClean="0"/>
-              <a:t>2015/12/1</a:t>
+              <a:t>2018/12/31</a:t>
             </a:fld>
             <a:endParaRPr lang="zh-CN" altLang="en-US"/>
           </a:p>
@@ -1410,10 +1415,9 @@
           </a:lstStyle>
           <a:p>
             <a:r>
-              <a:rPr lang="zh-CN" altLang="en-US" smtClean="0"/>
+              <a:rPr lang="zh-CN" altLang="en-US"/>
               <a:t>单击此处编辑母版标题样式</a:t>
             </a:r>
-            <a:endParaRPr lang="zh-CN" altLang="en-US"/>
           </a:p>
         </p:txBody>
       </p:sp>
@@ -1476,7 +1480,7 @@
           <a:p>
             <a:pPr lvl="0"/>
             <a:r>
-              <a:rPr lang="zh-CN" altLang="en-US" smtClean="0"/>
+              <a:rPr lang="zh-CN" altLang="en-US"/>
               <a:t>单击此处编辑母版文本样式</a:t>
             </a:r>
           </a:p>
@@ -1532,38 +1536,37 @@
           <a:p>
             <a:pPr lvl="0"/>
             <a:r>
-              <a:rPr lang="zh-CN" altLang="en-US" smtClean="0"/>
+              <a:rPr lang="zh-CN" altLang="en-US"/>
               <a:t>单击此处编辑母版文本样式</a:t>
             </a:r>
           </a:p>
           <a:p>
             <a:pPr lvl="1"/>
             <a:r>
-              <a:rPr lang="zh-CN" altLang="en-US" smtClean="0"/>
+              <a:rPr lang="zh-CN" altLang="en-US"/>
               <a:t>第二级</a:t>
             </a:r>
           </a:p>
           <a:p>
             <a:pPr lvl="2"/>
             <a:r>
-              <a:rPr lang="zh-CN" altLang="en-US" smtClean="0"/>
+              <a:rPr lang="zh-CN" altLang="en-US"/>
               <a:t>第三级</a:t>
             </a:r>
           </a:p>
           <a:p>
             <a:pPr lvl="3"/>
             <a:r>
-              <a:rPr lang="zh-CN" altLang="en-US" smtClean="0"/>
+              <a:rPr lang="zh-CN" altLang="en-US"/>
               <a:t>第四级</a:t>
             </a:r>
           </a:p>
           <a:p>
             <a:pPr lvl="4"/>
             <a:r>
-              <a:rPr lang="zh-CN" altLang="en-US" smtClean="0"/>
+              <a:rPr lang="zh-CN" altLang="en-US"/>
               <a:t>第五级</a:t>
             </a:r>
-            <a:endParaRPr lang="zh-CN" altLang="en-US"/>
           </a:p>
         </p:txBody>
       </p:sp>
@@ -1626,7 +1629,7 @@
           <a:p>
             <a:pPr lvl="0"/>
             <a:r>
-              <a:rPr lang="zh-CN" altLang="en-US" smtClean="0"/>
+              <a:rPr lang="zh-CN" altLang="en-US"/>
               <a:t>单击此处编辑母版文本样式</a:t>
             </a:r>
           </a:p>
@@ -1682,38 +1685,37 @@
           <a:p>
             <a:pPr lvl="0"/>
             <a:r>
-              <a:rPr lang="zh-CN" altLang="en-US" smtClean="0"/>
+              <a:rPr lang="zh-CN" altLang="en-US"/>
               <a:t>单击此处编辑母版文本样式</a:t>
             </a:r>
           </a:p>
           <a:p>
             <a:pPr lvl="1"/>
             <a:r>
-              <a:rPr lang="zh-CN" altLang="en-US" smtClean="0"/>
+              <a:rPr lang="zh-CN" altLang="en-US"/>
               <a:t>第二级</a:t>
             </a:r>
           </a:p>
           <a:p>
             <a:pPr lvl="2"/>
             <a:r>
-              <a:rPr lang="zh-CN" altLang="en-US" smtClean="0"/>
+              <a:rPr lang="zh-CN" altLang="en-US"/>
               <a:t>第三级</a:t>
             </a:r>
           </a:p>
           <a:p>
             <a:pPr lvl="3"/>
             <a:r>
-              <a:rPr lang="zh-CN" altLang="en-US" smtClean="0"/>
+              <a:rPr lang="zh-CN" altLang="en-US"/>
               <a:t>第四级</a:t>
             </a:r>
           </a:p>
           <a:p>
             <a:pPr lvl="4"/>
             <a:r>
-              <a:rPr lang="zh-CN" altLang="en-US" smtClean="0"/>
+              <a:rPr lang="zh-CN" altLang="en-US"/>
               <a:t>第五级</a:t>
             </a:r>
-            <a:endParaRPr lang="zh-CN" altLang="en-US"/>
           </a:p>
         </p:txBody>
       </p:sp>
@@ -1734,7 +1736,7 @@
           <a:p>
             <a:fld id="{530820CF-B880-4189-942D-D702A7CBA730}" type="datetimeFigureOut">
               <a:rPr lang="zh-CN" altLang="en-US" smtClean="0"/>
-              <a:t>2015/12/1</a:t>
+              <a:t>2018/12/31</a:t>
             </a:fld>
             <a:endParaRPr lang="zh-CN" altLang="en-US"/>
           </a:p>
@@ -1823,10 +1825,9 @@
           <a:lstStyle/>
           <a:p>
             <a:r>
-              <a:rPr lang="zh-CN" altLang="en-US" smtClean="0"/>
+              <a:rPr lang="zh-CN" altLang="en-US"/>
               <a:t>单击此处编辑母版标题样式</a:t>
             </a:r>
-            <a:endParaRPr lang="zh-CN" altLang="en-US"/>
           </a:p>
         </p:txBody>
       </p:sp>
@@ -1847,7 +1848,7 @@
           <a:p>
             <a:fld id="{530820CF-B880-4189-942D-D702A7CBA730}" type="datetimeFigureOut">
               <a:rPr lang="zh-CN" altLang="en-US" smtClean="0"/>
-              <a:t>2015/12/1</a:t>
+              <a:t>2018/12/31</a:t>
             </a:fld>
             <a:endParaRPr lang="zh-CN" altLang="en-US"/>
           </a:p>
@@ -1937,7 +1938,7 @@
           <a:p>
             <a:fld id="{530820CF-B880-4189-942D-D702A7CBA730}" type="datetimeFigureOut">
               <a:rPr lang="zh-CN" altLang="en-US" smtClean="0"/>
-              <a:t>2015/12/1</a:t>
+              <a:t>2018/12/31</a:t>
             </a:fld>
             <a:endParaRPr lang="zh-CN" altLang="en-US"/>
           </a:p>
@@ -2035,10 +2036,9 @@
           </a:lstStyle>
           <a:p>
             <a:r>
-              <a:rPr lang="zh-CN" altLang="en-US" smtClean="0"/>
+              <a:rPr lang="zh-CN" altLang="en-US"/>
               <a:t>单击此处编辑母版标题样式</a:t>
             </a:r>
-            <a:endParaRPr lang="zh-CN" altLang="en-US"/>
           </a:p>
         </p:txBody>
       </p:sp>
@@ -2092,38 +2092,37 @@
           <a:p>
             <a:pPr lvl="0"/>
             <a:r>
-              <a:rPr lang="zh-CN" altLang="en-US" smtClean="0"/>
+              <a:rPr lang="zh-CN" altLang="en-US"/>
               <a:t>单击此处编辑母版文本样式</a:t>
             </a:r>
           </a:p>
           <a:p>
             <a:pPr lvl="1"/>
             <a:r>
-              <a:rPr lang="zh-CN" altLang="en-US" smtClean="0"/>
+              <a:rPr lang="zh-CN" altLang="en-US"/>
               <a:t>第二级</a:t>
             </a:r>
           </a:p>
           <a:p>
             <a:pPr lvl="2"/>
             <a:r>
-              <a:rPr lang="zh-CN" altLang="en-US" smtClean="0"/>
+              <a:rPr lang="zh-CN" altLang="en-US"/>
               <a:t>第三级</a:t>
             </a:r>
           </a:p>
           <a:p>
             <a:pPr lvl="3"/>
             <a:r>
-              <a:rPr lang="zh-CN" altLang="en-US" smtClean="0"/>
+              <a:rPr lang="zh-CN" altLang="en-US"/>
               <a:t>第四级</a:t>
             </a:r>
           </a:p>
           <a:p>
             <a:pPr lvl="4"/>
             <a:r>
-              <a:rPr lang="zh-CN" altLang="en-US" smtClean="0"/>
+              <a:rPr lang="zh-CN" altLang="en-US"/>
               <a:t>第五级</a:t>
             </a:r>
-            <a:endParaRPr lang="zh-CN" altLang="en-US"/>
           </a:p>
         </p:txBody>
       </p:sp>
@@ -2186,7 +2185,7 @@
           <a:p>
             <a:pPr lvl="0"/>
             <a:r>
-              <a:rPr lang="zh-CN" altLang="en-US" smtClean="0"/>
+              <a:rPr lang="zh-CN" altLang="en-US"/>
               <a:t>单击此处编辑母版文本样式</a:t>
             </a:r>
           </a:p>
@@ -2209,7 +2208,7 @@
           <a:p>
             <a:fld id="{530820CF-B880-4189-942D-D702A7CBA730}" type="datetimeFigureOut">
               <a:rPr lang="zh-CN" altLang="en-US" smtClean="0"/>
-              <a:t>2015/12/1</a:t>
+              <a:t>2018/12/31</a:t>
             </a:fld>
             <a:endParaRPr lang="zh-CN" altLang="en-US"/>
           </a:p>
@@ -2307,10 +2306,9 @@
           </a:lstStyle>
           <a:p>
             <a:r>
-              <a:rPr lang="zh-CN" altLang="en-US" smtClean="0"/>
+              <a:rPr lang="zh-CN" altLang="en-US"/>
               <a:t>单击此处编辑母版标题样式</a:t>
             </a:r>
-            <a:endParaRPr lang="zh-CN" altLang="en-US"/>
           </a:p>
         </p:txBody>
       </p:sp>
@@ -2434,7 +2432,7 @@
           <a:p>
             <a:pPr lvl="0"/>
             <a:r>
-              <a:rPr lang="zh-CN" altLang="en-US" smtClean="0"/>
+              <a:rPr lang="zh-CN" altLang="en-US"/>
               <a:t>单击此处编辑母版文本样式</a:t>
             </a:r>
           </a:p>
@@ -2457,7 +2455,7 @@
           <a:p>
             <a:fld id="{530820CF-B880-4189-942D-D702A7CBA730}" type="datetimeFigureOut">
               <a:rPr lang="zh-CN" altLang="en-US" smtClean="0"/>
-              <a:t>2015/12/1</a:t>
+              <a:t>2018/12/31</a:t>
             </a:fld>
             <a:endParaRPr lang="zh-CN" altLang="en-US"/>
           </a:p>
@@ -2561,10 +2559,9 @@
           <a:lstStyle/>
           <a:p>
             <a:r>
-              <a:rPr lang="zh-CN" altLang="en-US" smtClean="0"/>
+              <a:rPr lang="zh-CN" altLang="en-US"/>
               <a:t>单击此处编辑母版标题样式</a:t>
             </a:r>
-            <a:endParaRPr lang="zh-CN" altLang="en-US"/>
           </a:p>
         </p:txBody>
       </p:sp>
@@ -2595,38 +2592,37 @@
           <a:p>
             <a:pPr lvl="0"/>
             <a:r>
-              <a:rPr lang="zh-CN" altLang="en-US" smtClean="0"/>
+              <a:rPr lang="zh-CN" altLang="en-US"/>
               <a:t>单击此处编辑母版文本样式</a:t>
             </a:r>
           </a:p>
           <a:p>
             <a:pPr lvl="1"/>
             <a:r>
-              <a:rPr lang="zh-CN" altLang="en-US" smtClean="0"/>
+              <a:rPr lang="zh-CN" altLang="en-US"/>
               <a:t>第二级</a:t>
             </a:r>
           </a:p>
           <a:p>
             <a:pPr lvl="2"/>
             <a:r>
-              <a:rPr lang="zh-CN" altLang="en-US" smtClean="0"/>
+              <a:rPr lang="zh-CN" altLang="en-US"/>
               <a:t>第三级</a:t>
             </a:r>
           </a:p>
           <a:p>
             <a:pPr lvl="3"/>
             <a:r>
-              <a:rPr lang="zh-CN" altLang="en-US" smtClean="0"/>
+              <a:rPr lang="zh-CN" altLang="en-US"/>
               <a:t>第四级</a:t>
             </a:r>
           </a:p>
           <a:p>
             <a:pPr lvl="4"/>
             <a:r>
-              <a:rPr lang="zh-CN" altLang="en-US" smtClean="0"/>
+              <a:rPr lang="zh-CN" altLang="en-US"/>
               <a:t>第五级</a:t>
             </a:r>
-            <a:endParaRPr lang="zh-CN" altLang="en-US"/>
           </a:p>
         </p:txBody>
       </p:sp>
@@ -2665,7 +2661,7 @@
           <a:p>
             <a:fld id="{530820CF-B880-4189-942D-D702A7CBA730}" type="datetimeFigureOut">
               <a:rPr lang="zh-CN" altLang="en-US" smtClean="0"/>
-              <a:t>2015/12/1</a:t>
+              <a:t>2018/12/31</a:t>
             </a:fld>
             <a:endParaRPr lang="zh-CN" altLang="en-US"/>
           </a:p>
@@ -3059,298 +3055,177 @@
           <a:p>
             <a:pPr algn="l"/>
             <a:r>
-              <a:rPr lang="zh-CN" altLang="en-US" sz="3200" dirty="0" smtClean="0"/>
+              <a:rPr lang="zh-CN" altLang="en-US" sz="3200" dirty="0"/>
               <a:t>         技术实习答辩可以从下面几部分内容进行介绍，具体根据自己实际情况确定：</a:t>
             </a:r>
-            <a:r>
-              <a:rPr lang="en-US" altLang="zh-CN" sz="3200" dirty="0" smtClean="0"/>
-              <a:t/>
-            </a:r>
             <a:br>
-              <a:rPr lang="en-US" altLang="zh-CN" sz="3200" dirty="0" smtClean="0"/>
+              <a:rPr lang="en-US" altLang="zh-CN" sz="3200" dirty="0"/>
             </a:br>
             <a:r>
-              <a:rPr lang="zh-CN" altLang="en-US" sz="3200" dirty="0" smtClean="0"/>
+              <a:rPr lang="zh-CN" altLang="en-US" sz="3200" dirty="0"/>
               <a:t>（</a:t>
             </a:r>
             <a:r>
-              <a:rPr lang="en-US" altLang="zh-CN" sz="3200" b="1" dirty="0" smtClean="0"/>
+              <a:rPr lang="en-US" altLang="zh-CN" sz="3200" b="1" dirty="0"/>
               <a:t>1</a:t>
             </a:r>
             <a:r>
-              <a:rPr lang="zh-CN" altLang="en-US" sz="3200" b="1" dirty="0" smtClean="0"/>
+              <a:rPr lang="zh-CN" altLang="en-US" sz="3200" b="1" dirty="0"/>
               <a:t>）实习概括</a:t>
             </a:r>
-            <a:r>
-              <a:rPr lang="en-US" altLang="zh-CN" sz="3200" b="1" smtClean="0"/>
-              <a:t/>
-            </a:r>
             <a:br>
-              <a:rPr lang="en-US" altLang="zh-CN" sz="3200" b="1" smtClean="0"/>
+              <a:rPr lang="en-US" altLang="zh-CN" sz="3200" b="1" dirty="0"/>
             </a:br>
             <a:r>
-              <a:rPr lang="en-US" altLang="zh-CN" sz="3200" b="1" smtClean="0"/>
+              <a:rPr lang="en-US" altLang="zh-CN" sz="3200" b="1" dirty="0"/>
               <a:t>         </a:t>
             </a:r>
             <a:r>
-              <a:rPr lang="zh-CN" altLang="en-US" sz="2700" smtClean="0"/>
-              <a:t>实习</a:t>
-            </a:r>
-            <a:r>
-              <a:rPr lang="zh-CN" altLang="en-US" sz="2700" dirty="0" smtClean="0"/>
-              <a:t>单位名、单位基本情况、实习时间等。</a:t>
-            </a:r>
-            <a:r>
-              <a:rPr lang="en-US" altLang="zh-CN" sz="3200" dirty="0" smtClean="0"/>
-              <a:t/>
+              <a:rPr lang="zh-CN" altLang="en-US" sz="2700" dirty="0"/>
+              <a:t>实习单位名、单位基本情况、实习时间等。</a:t>
             </a:r>
             <a:br>
-              <a:rPr lang="en-US" altLang="zh-CN" sz="3200" dirty="0" smtClean="0"/>
+              <a:rPr lang="en-US" altLang="zh-CN" sz="3200" dirty="0"/>
             </a:br>
-            <a:r>
-              <a:rPr lang="en-US" altLang="zh-CN" sz="1300" dirty="0" smtClean="0"/>
-              <a:t/>
-            </a:r>
             <a:br>
-              <a:rPr lang="en-US" altLang="zh-CN" sz="1300" dirty="0" smtClean="0"/>
+              <a:rPr lang="en-US" altLang="zh-CN" sz="1300" dirty="0"/>
             </a:br>
             <a:r>
-              <a:rPr lang="zh-CN" altLang="en-US" sz="3200" b="1" dirty="0" smtClean="0"/>
+              <a:rPr lang="zh-CN" altLang="en-US" sz="3200" b="1" dirty="0"/>
               <a:t>（</a:t>
             </a:r>
             <a:r>
-              <a:rPr lang="en-US" altLang="zh-CN" sz="3200" b="1" dirty="0" smtClean="0"/>
+              <a:rPr lang="en-US" altLang="zh-CN" sz="3200" b="1" dirty="0"/>
               <a:t>2</a:t>
             </a:r>
             <a:r>
-              <a:rPr lang="zh-CN" altLang="en-US" sz="3200" b="1" dirty="0" smtClean="0"/>
+              <a:rPr lang="zh-CN" altLang="en-US" sz="3200" b="1" dirty="0"/>
               <a:t>）实习内容</a:t>
             </a:r>
-            <a:r>
-              <a:rPr lang="en-US" altLang="zh-CN" sz="3200" dirty="0" smtClean="0"/>
-              <a:t/>
-            </a:r>
             <a:br>
-              <a:rPr lang="en-US" altLang="zh-CN" sz="3200" dirty="0" smtClean="0"/>
+              <a:rPr lang="en-US" altLang="zh-CN" sz="3200" dirty="0"/>
             </a:br>
             <a:r>
               <a:rPr lang="en-US" altLang="zh-CN" sz="3200" dirty="0"/>
-              <a:t> </a:t>
-            </a:r>
-            <a:r>
-              <a:rPr lang="en-US" altLang="zh-CN" sz="3200" dirty="0" smtClean="0"/>
-              <a:t>        </a:t>
-            </a:r>
-            <a:r>
-              <a:rPr lang="zh-CN" altLang="en-US" sz="2700" dirty="0" smtClean="0"/>
+              <a:t>         </a:t>
+            </a:r>
+            <a:r>
+              <a:rPr lang="zh-CN" altLang="en-US" sz="2700" dirty="0"/>
               <a:t>具体阐述实习期间的工作内容和情况。</a:t>
             </a:r>
-            <a:r>
-              <a:rPr lang="en-US" altLang="zh-CN" sz="2700" dirty="0" smtClean="0"/>
-              <a:t/>
-            </a:r>
             <a:br>
-              <a:rPr lang="en-US" altLang="zh-CN" sz="2700" dirty="0" smtClean="0"/>
+              <a:rPr lang="en-US" altLang="zh-CN" sz="2700" dirty="0"/>
             </a:br>
             <a:r>
               <a:rPr lang="en-US" altLang="zh-CN" sz="2700" dirty="0"/>
-              <a:t> </a:t>
-            </a:r>
-            <a:r>
-              <a:rPr lang="en-US" altLang="zh-CN" sz="2700" dirty="0" smtClean="0"/>
+              <a:t>           </a:t>
+            </a:r>
+            <a:r>
+              <a:rPr lang="zh-CN" altLang="en-US" sz="2700" dirty="0"/>
+              <a:t>展示作品、工作照片、案例等各式成果。</a:t>
+            </a:r>
+            <a:br>
+              <a:rPr lang="en-US" altLang="zh-CN" sz="3200" dirty="0"/>
+            </a:br>
+            <a:br>
+              <a:rPr lang="en-US" altLang="zh-CN" sz="1300" dirty="0"/>
+            </a:br>
+            <a:r>
+              <a:rPr lang="zh-CN" altLang="en-US" sz="3200" b="1" dirty="0"/>
+              <a:t>（</a:t>
+            </a:r>
+            <a:r>
+              <a:rPr lang="en-US" altLang="zh-CN" sz="3200" b="1" dirty="0"/>
+              <a:t>3</a:t>
+            </a:r>
+            <a:r>
+              <a:rPr lang="zh-CN" altLang="en-US" sz="3200" b="1" dirty="0"/>
+              <a:t>）实习感受</a:t>
+            </a:r>
+            <a:br>
+              <a:rPr lang="en-US" altLang="zh-CN" sz="3200" dirty="0"/>
+            </a:br>
+            <a:r>
+              <a:rPr lang="en-US" altLang="zh-CN" sz="2700" dirty="0"/>
               <a:t>          </a:t>
             </a:r>
             <a:r>
-              <a:rPr lang="zh-CN" altLang="en-US" sz="2700" dirty="0" smtClean="0"/>
-              <a:t>展示作品、工作照片、案例等各式成果。</a:t>
-            </a:r>
-            <a:r>
-              <a:rPr lang="en-US" altLang="zh-CN" sz="3200" dirty="0" smtClean="0"/>
-              <a:t/>
+              <a:rPr lang="zh-CN" altLang="en-US" sz="2700" dirty="0"/>
+              <a:t>阐述实习过程中碰到的问题，如何解决等。</a:t>
             </a:r>
             <a:br>
-              <a:rPr lang="en-US" altLang="zh-CN" sz="3200" dirty="0" smtClean="0"/>
+              <a:rPr lang="en-US" altLang="zh-CN" sz="2700" dirty="0"/>
             </a:br>
             <a:r>
-              <a:rPr lang="en-US" altLang="zh-CN" sz="1300" dirty="0" smtClean="0"/>
-              <a:t/>
+              <a:rPr lang="en-US" altLang="zh-CN" sz="2700" dirty="0"/>
+              <a:t>          </a:t>
+            </a:r>
+            <a:r>
+              <a:rPr lang="zh-CN" altLang="en-US" sz="2700" dirty="0"/>
+              <a:t>阐述实习过程中的体会。</a:t>
             </a:r>
             <a:br>
-              <a:rPr lang="en-US" altLang="zh-CN" sz="1300" dirty="0" smtClean="0"/>
+              <a:rPr lang="en-US" altLang="zh-CN" sz="2700" dirty="0"/>
             </a:br>
             <a:r>
-              <a:rPr lang="zh-CN" altLang="en-US" sz="3200" b="1" dirty="0" smtClean="0"/>
+              <a:rPr lang="en-US" altLang="zh-CN" sz="2700" dirty="0"/>
+              <a:t>          </a:t>
+            </a:r>
+            <a:r>
+              <a:rPr lang="zh-CN" altLang="en-US" sz="2700" dirty="0"/>
+              <a:t>阐述通过实习对自己锻炼或影响。</a:t>
+            </a:r>
+            <a:br>
+              <a:rPr lang="en-US" altLang="zh-CN" sz="2700" dirty="0"/>
+            </a:br>
+            <a:r>
+              <a:rPr lang="en-US" altLang="zh-CN" sz="2700" dirty="0"/>
+              <a:t>          </a:t>
+            </a:r>
+            <a:r>
+              <a:rPr lang="zh-CN" altLang="en-US" sz="2700" dirty="0"/>
+              <a:t>阐述对专业人才培养的建议。</a:t>
+            </a:r>
+            <a:br>
+              <a:rPr lang="en-US" altLang="zh-CN" sz="3200" dirty="0"/>
+            </a:br>
+            <a:br>
+              <a:rPr lang="en-US" altLang="zh-CN" sz="1300" dirty="0"/>
+            </a:br>
+            <a:r>
+              <a:rPr lang="zh-CN" altLang="en-US" sz="3200" b="1" dirty="0"/>
               <a:t>（</a:t>
             </a:r>
             <a:r>
-              <a:rPr lang="en-US" altLang="zh-CN" sz="3200" b="1" dirty="0" smtClean="0"/>
-              <a:t>3</a:t>
-            </a:r>
-            <a:r>
-              <a:rPr lang="zh-CN" altLang="en-US" sz="3200" b="1" dirty="0" smtClean="0"/>
-              <a:t>）实习感受</a:t>
-            </a:r>
-            <a:r>
-              <a:rPr lang="en-US" altLang="zh-CN" sz="3200" dirty="0" smtClean="0"/>
-              <a:t/>
+              <a:rPr lang="en-US" altLang="zh-CN" sz="3200" b="1" dirty="0"/>
+              <a:t>4</a:t>
+            </a:r>
+            <a:r>
+              <a:rPr lang="zh-CN" altLang="en-US" sz="3200" b="1" dirty="0"/>
+              <a:t>）就业情况</a:t>
             </a:r>
             <a:br>
-              <a:rPr lang="en-US" altLang="zh-CN" sz="3200" dirty="0" smtClean="0"/>
+              <a:rPr lang="en-US" altLang="zh-CN" sz="3200" dirty="0"/>
             </a:br>
             <a:r>
+              <a:rPr lang="en-US" altLang="zh-CN" sz="3200" dirty="0"/>
+              <a:t>         </a:t>
+            </a:r>
+            <a:r>
+              <a:rPr lang="zh-CN" altLang="en-US" sz="2700" dirty="0"/>
+              <a:t>已找到：公司名、岗位、待遇情况。</a:t>
+            </a:r>
+            <a:br>
               <a:rPr lang="en-US" altLang="zh-CN" sz="2700" dirty="0"/>
-              <a:t> </a:t>
-            </a:r>
-            <a:r>
-              <a:rPr lang="en-US" altLang="zh-CN" sz="2700" dirty="0" smtClean="0"/>
-              <a:t>         </a:t>
-            </a:r>
-            <a:r>
-              <a:rPr lang="zh-CN" altLang="en-US" sz="2700" dirty="0" smtClean="0"/>
-              <a:t>阐述</a:t>
+            </a:br>
+            <a:r>
+              <a:rPr lang="en-US" altLang="zh-CN" sz="2700" dirty="0"/>
+              <a:t>          </a:t>
             </a:r>
             <a:r>
               <a:rPr lang="zh-CN" altLang="en-US" sz="2700" dirty="0"/>
-              <a:t>实习过程中碰到的问题，如何解决等</a:t>
-            </a:r>
-            <a:r>
-              <a:rPr lang="zh-CN" altLang="en-US" sz="2700" dirty="0" smtClean="0"/>
-              <a:t>。</a:t>
-            </a:r>
-            <a:r>
-              <a:rPr lang="en-US" altLang="zh-CN" sz="2700" dirty="0" smtClean="0"/>
-              <a:t/>
-            </a:r>
-            <a:br>
-              <a:rPr lang="en-US" altLang="zh-CN" sz="2700" dirty="0" smtClean="0"/>
-            </a:br>
-            <a:r>
-              <a:rPr lang="en-US" altLang="zh-CN" sz="2700" dirty="0"/>
-              <a:t> </a:t>
-            </a:r>
-            <a:r>
-              <a:rPr lang="en-US" altLang="zh-CN" sz="2700" dirty="0" smtClean="0"/>
-              <a:t>         </a:t>
-            </a:r>
-            <a:r>
-              <a:rPr lang="zh-CN" altLang="en-US" sz="2700" dirty="0" smtClean="0"/>
-              <a:t>阐述实习过程中的体会。</a:t>
-            </a:r>
-            <a:r>
-              <a:rPr lang="en-US" altLang="zh-CN" sz="2700" dirty="0" smtClean="0"/>
-              <a:t/>
-            </a:r>
-            <a:br>
-              <a:rPr lang="en-US" altLang="zh-CN" sz="2700" dirty="0" smtClean="0"/>
-            </a:br>
-            <a:r>
-              <a:rPr lang="en-US" altLang="zh-CN" sz="2700" dirty="0"/>
-              <a:t> </a:t>
-            </a:r>
-            <a:r>
-              <a:rPr lang="en-US" altLang="zh-CN" sz="2700" dirty="0" smtClean="0"/>
-              <a:t>         </a:t>
-            </a:r>
-            <a:r>
-              <a:rPr lang="zh-CN" altLang="en-US" sz="2700" dirty="0" smtClean="0"/>
-              <a:t>阐述通过实习对</a:t>
-            </a:r>
-            <a:r>
-              <a:rPr lang="zh-CN" altLang="en-US" sz="2700" dirty="0" smtClean="0"/>
-              <a:t>自己锻炼或影响</a:t>
-            </a:r>
-            <a:r>
-              <a:rPr lang="zh-CN" altLang="en-US" sz="2700" dirty="0" smtClean="0"/>
-              <a:t>。</a:t>
-            </a:r>
-            <a:r>
-              <a:rPr lang="en-US" altLang="zh-CN" sz="2700" dirty="0" smtClean="0"/>
-              <a:t/>
-            </a:r>
-            <a:br>
-              <a:rPr lang="en-US" altLang="zh-CN" sz="2700" dirty="0" smtClean="0"/>
-            </a:br>
-            <a:r>
-              <a:rPr lang="en-US" altLang="zh-CN" sz="2700" dirty="0"/>
-              <a:t> </a:t>
-            </a:r>
-            <a:r>
-              <a:rPr lang="en-US" altLang="zh-CN" sz="2700" dirty="0" smtClean="0"/>
-              <a:t>         </a:t>
-            </a:r>
-            <a:r>
-              <a:rPr lang="zh-CN" altLang="en-US" sz="2700" dirty="0" smtClean="0"/>
-              <a:t>阐述对专业</a:t>
-            </a:r>
-            <a:r>
-              <a:rPr lang="zh-CN" altLang="en-US" sz="2700" dirty="0" smtClean="0"/>
-              <a:t>人才培养</a:t>
-            </a:r>
-            <a:r>
-              <a:rPr lang="zh-CN" altLang="en-US" sz="2700" dirty="0" smtClean="0"/>
-              <a:t>的建议。</a:t>
-            </a:r>
-            <a:r>
-              <a:rPr lang="en-US" altLang="zh-CN" sz="3200" dirty="0" smtClean="0"/>
-              <a:t/>
-            </a:r>
-            <a:br>
-              <a:rPr lang="en-US" altLang="zh-CN" sz="3200" dirty="0" smtClean="0"/>
-            </a:br>
-            <a:r>
-              <a:rPr lang="en-US" altLang="zh-CN" sz="1300" dirty="0" smtClean="0"/>
-              <a:t/>
-            </a:r>
-            <a:br>
-              <a:rPr lang="en-US" altLang="zh-CN" sz="1300" dirty="0" smtClean="0"/>
-            </a:br>
-            <a:r>
-              <a:rPr lang="zh-CN" altLang="en-US" sz="3200" b="1" dirty="0" smtClean="0"/>
-              <a:t>（</a:t>
-            </a:r>
-            <a:r>
-              <a:rPr lang="en-US" altLang="zh-CN" sz="3200" b="1" dirty="0" smtClean="0"/>
-              <a:t>4</a:t>
-            </a:r>
-            <a:r>
-              <a:rPr lang="zh-CN" altLang="en-US" sz="3200" b="1" dirty="0" smtClean="0"/>
-              <a:t>）就业情况</a:t>
-            </a:r>
-            <a:r>
-              <a:rPr lang="en-US" altLang="zh-CN" sz="3200" dirty="0" smtClean="0"/>
-              <a:t/>
-            </a:r>
-            <a:br>
-              <a:rPr lang="en-US" altLang="zh-CN" sz="3200" dirty="0" smtClean="0"/>
-            </a:br>
-            <a:r>
-              <a:rPr lang="en-US" altLang="zh-CN" sz="3200" dirty="0" smtClean="0"/>
-              <a:t>         </a:t>
-            </a:r>
-            <a:r>
-              <a:rPr lang="zh-CN" altLang="en-US" sz="2700" dirty="0" smtClean="0"/>
-              <a:t>已找到：公司名、岗位、待遇情况。</a:t>
-            </a:r>
-            <a:r>
-              <a:rPr lang="en-US" altLang="zh-CN" sz="2700" dirty="0" smtClean="0"/>
-              <a:t/>
-            </a:r>
-            <a:br>
-              <a:rPr lang="en-US" altLang="zh-CN" sz="2700" dirty="0" smtClean="0"/>
-            </a:br>
-            <a:r>
-              <a:rPr lang="en-US" altLang="zh-CN" sz="2700" dirty="0"/>
-              <a:t> </a:t>
-            </a:r>
-            <a:r>
-              <a:rPr lang="en-US" altLang="zh-CN" sz="2700" dirty="0" smtClean="0"/>
-              <a:t>         </a:t>
-            </a:r>
-            <a:r>
-              <a:rPr lang="zh-CN" altLang="en-US" sz="2700" dirty="0" smtClean="0"/>
               <a:t>未找到：就业计划。</a:t>
             </a:r>
-            <a:endParaRPr lang="zh-CN" altLang="en-US" sz="2700" dirty="0"/>
           </a:p>
         </p:txBody>
       </p:sp>
@@ -3358,6 +3233,36 @@
     <p:extLst>
       <p:ext uri="{BB962C8B-B14F-4D97-AF65-F5344CB8AC3E}">
         <p14:creationId xmlns:p14="http://schemas.microsoft.com/office/powerpoint/2010/main" val="2348712997"/>
+      </p:ext>
+    </p:extLst>
+  </p:cSld>
+  <p:clrMapOvr>
+    <a:masterClrMapping/>
+  </p:clrMapOvr>
+</p:sld>
+</file>
+
+<file path=ppt/slides/slide2.xml><?xml version="1.0" encoding="utf-8"?>
+<p:sld xmlns:a="http://schemas.openxmlformats.org/drawingml/2006/main" xmlns:r="http://schemas.openxmlformats.org/officeDocument/2006/relationships" xmlns:p="http://schemas.openxmlformats.org/presentationml/2006/main">
+  <p:cSld>
+    <p:spTree>
+      <p:nvGrpSpPr>
+        <p:cNvPr id="1" name=""/>
+        <p:cNvGrpSpPr/>
+        <p:nvPr/>
+      </p:nvGrpSpPr>
+      <p:grpSpPr>
+        <a:xfrm>
+          <a:off x="0" y="0"/>
+          <a:ext cx="0" cy="0"/>
+          <a:chOff x="0" y="0"/>
+          <a:chExt cx="0" cy="0"/>
+        </a:xfrm>
+      </p:grpSpPr>
+    </p:spTree>
+    <p:extLst>
+      <p:ext uri="{BB962C8B-B14F-4D97-AF65-F5344CB8AC3E}">
+        <p14:creationId xmlns:p14="http://schemas.microsoft.com/office/powerpoint/2010/main" val="1427837177"/>
       </p:ext>
     </p:extLst>
   </p:cSld>
